--- a/images/libsd_architecture.pptx
+++ b/images/libsd_architecture.pptx
@@ -104,6 +104,11 @@
       </a:defRPr>
     </a:lvl9pPr>
   </p:defaultTextStyle>
+  <p:extLst>
+    <p:ext uri="{EFAFB233-063F-42B5-8137-9DF3F51BA10A}">
+      <p15:sldGuideLst xmlns:p15="http://schemas.microsoft.com/office/powerpoint/2012/main"/>
+    </p:ext>
+  </p:extLst>
 </p:presentation>
 </file>
 
@@ -3362,9 +3367,14 @@
           <a:p>
             <a:pPr algn="ctr"/>
             <a:r>
-              <a:rPr lang="en-US" dirty="0"/>
-              <a:t>Socket queues</a:t>
-            </a:r>
+              <a:rPr lang="en-US" altLang="zh-CN"/>
+              <a:t>Queueing </a:t>
+            </a:r>
+            <a:r>
+              <a:rPr lang="en-US" altLang="zh-CN" dirty="0"/>
+              <a:t>layer</a:t>
+            </a:r>
+            <a:endParaRPr lang="en-US" dirty="0"/>
           </a:p>
         </p:txBody>
       </p:sp>

--- a/images/libsd_architecture.pptx
+++ b/images/libsd_architecture.pptx
@@ -259,7 +259,7 @@
           <a:p>
             <a:fld id="{B5E93C37-313B-4B6D-8C4A-560EC396D872}" type="datetimeFigureOut">
               <a:rPr lang="en-US" smtClean="0"/>
-              <a:t>1/21/2019</a:t>
+              <a:t>1/25/2019</a:t>
             </a:fld>
             <a:endParaRPr lang="en-US"/>
           </a:p>
@@ -457,7 +457,7 @@
           <a:p>
             <a:fld id="{B5E93C37-313B-4B6D-8C4A-560EC396D872}" type="datetimeFigureOut">
               <a:rPr lang="en-US" smtClean="0"/>
-              <a:t>1/21/2019</a:t>
+              <a:t>1/25/2019</a:t>
             </a:fld>
             <a:endParaRPr lang="en-US"/>
           </a:p>
@@ -665,7 +665,7 @@
           <a:p>
             <a:fld id="{B5E93C37-313B-4B6D-8C4A-560EC396D872}" type="datetimeFigureOut">
               <a:rPr lang="en-US" smtClean="0"/>
-              <a:t>1/21/2019</a:t>
+              <a:t>1/25/2019</a:t>
             </a:fld>
             <a:endParaRPr lang="en-US"/>
           </a:p>
@@ -863,7 +863,7 @@
           <a:p>
             <a:fld id="{B5E93C37-313B-4B6D-8C4A-560EC396D872}" type="datetimeFigureOut">
               <a:rPr lang="en-US" smtClean="0"/>
-              <a:t>1/21/2019</a:t>
+              <a:t>1/25/2019</a:t>
             </a:fld>
             <a:endParaRPr lang="en-US"/>
           </a:p>
@@ -1138,7 +1138,7 @@
           <a:p>
             <a:fld id="{B5E93C37-313B-4B6D-8C4A-560EC396D872}" type="datetimeFigureOut">
               <a:rPr lang="en-US" smtClean="0"/>
-              <a:t>1/21/2019</a:t>
+              <a:t>1/25/2019</a:t>
             </a:fld>
             <a:endParaRPr lang="en-US"/>
           </a:p>
@@ -1403,7 +1403,7 @@
           <a:p>
             <a:fld id="{B5E93C37-313B-4B6D-8C4A-560EC396D872}" type="datetimeFigureOut">
               <a:rPr lang="en-US" smtClean="0"/>
-              <a:t>1/21/2019</a:t>
+              <a:t>1/25/2019</a:t>
             </a:fld>
             <a:endParaRPr lang="en-US"/>
           </a:p>
@@ -1815,7 +1815,7 @@
           <a:p>
             <a:fld id="{B5E93C37-313B-4B6D-8C4A-560EC396D872}" type="datetimeFigureOut">
               <a:rPr lang="en-US" smtClean="0"/>
-              <a:t>1/21/2019</a:t>
+              <a:t>1/25/2019</a:t>
             </a:fld>
             <a:endParaRPr lang="en-US"/>
           </a:p>
@@ -1956,7 +1956,7 @@
           <a:p>
             <a:fld id="{B5E93C37-313B-4B6D-8C4A-560EC396D872}" type="datetimeFigureOut">
               <a:rPr lang="en-US" smtClean="0"/>
-              <a:t>1/21/2019</a:t>
+              <a:t>1/25/2019</a:t>
             </a:fld>
             <a:endParaRPr lang="en-US"/>
           </a:p>
@@ -2069,7 +2069,7 @@
           <a:p>
             <a:fld id="{B5E93C37-313B-4B6D-8C4A-560EC396D872}" type="datetimeFigureOut">
               <a:rPr lang="en-US" smtClean="0"/>
-              <a:t>1/21/2019</a:t>
+              <a:t>1/25/2019</a:t>
             </a:fld>
             <a:endParaRPr lang="en-US"/>
           </a:p>
@@ -2380,7 +2380,7 @@
           <a:p>
             <a:fld id="{B5E93C37-313B-4B6D-8C4A-560EC396D872}" type="datetimeFigureOut">
               <a:rPr lang="en-US" smtClean="0"/>
-              <a:t>1/21/2019</a:t>
+              <a:t>1/25/2019</a:t>
             </a:fld>
             <a:endParaRPr lang="en-US"/>
           </a:p>
@@ -2668,7 +2668,7 @@
           <a:p>
             <a:fld id="{B5E93C37-313B-4B6D-8C4A-560EC396D872}" type="datetimeFigureOut">
               <a:rPr lang="en-US" smtClean="0"/>
-              <a:t>1/21/2019</a:t>
+              <a:t>1/25/2019</a:t>
             </a:fld>
             <a:endParaRPr lang="en-US"/>
           </a:p>
@@ -2909,7 +2909,7 @@
           <a:p>
             <a:fld id="{B5E93C37-313B-4B6D-8C4A-560EC396D872}" type="datetimeFigureOut">
               <a:rPr lang="en-US" smtClean="0"/>
-              <a:t>1/21/2019</a:t>
+              <a:t>1/25/2019</a:t>
             </a:fld>
             <a:endParaRPr lang="en-US"/>
           </a:p>
@@ -3340,8 +3340,8 @@
         </p:nvSpPr>
         <p:spPr>
           <a:xfrm>
-            <a:off x="898358" y="3168315"/>
-            <a:ext cx="2927684" cy="505327"/>
+            <a:off x="1628274" y="3168315"/>
+            <a:ext cx="2197768" cy="505327"/>
           </a:xfrm>
           <a:prstGeom prst="rect">
             <a:avLst/>
@@ -3392,8 +3392,8 @@
         </p:nvSpPr>
         <p:spPr>
           <a:xfrm>
-            <a:off x="898358" y="2662988"/>
-            <a:ext cx="1443789" cy="505327"/>
+            <a:off x="1628274" y="2662988"/>
+            <a:ext cx="1130965" cy="505327"/>
           </a:xfrm>
           <a:prstGeom prst="rect">
             <a:avLst/>
@@ -3439,7 +3439,7 @@
         </p:nvSpPr>
         <p:spPr>
           <a:xfrm>
-            <a:off x="1917033" y="4078704"/>
+            <a:off x="2703091" y="4078704"/>
             <a:ext cx="930442" cy="505327"/>
           </a:xfrm>
           <a:prstGeom prst="rect">
@@ -3486,7 +3486,7 @@
         </p:nvSpPr>
         <p:spPr>
           <a:xfrm>
-            <a:off x="1052577" y="4078704"/>
+            <a:off x="1838635" y="4078704"/>
             <a:ext cx="696014" cy="505327"/>
           </a:xfrm>
           <a:prstGeom prst="rect">
@@ -3521,66 +3521,19 @@
       </p:sp>
       <p:sp>
         <p:nvSpPr>
-          <p:cNvPr id="6" name="Rectangle 5">
-            <a:extLst>
-              <a:ext uri="{FF2B5EF4-FFF2-40B4-BE49-F238E27FC236}">
-                <a16:creationId xmlns:a16="http://schemas.microsoft.com/office/drawing/2014/main" id="{B435685C-94CC-4782-B662-4719C29167E5}"/>
-              </a:ext>
-            </a:extLst>
-          </p:cNvPr>
-          <p:cNvSpPr/>
+          <p:cNvPr id="7" name="TextBox 6">
+            <a:extLst>
+              <a:ext uri="{FF2B5EF4-FFF2-40B4-BE49-F238E27FC236}">
+                <a16:creationId xmlns:a16="http://schemas.microsoft.com/office/drawing/2014/main" id="{D630EAC7-83D1-44F3-8030-2989DCFAB256}"/>
+              </a:ext>
+            </a:extLst>
+          </p:cNvPr>
+          <p:cNvSpPr txBox="1"/>
           <p:nvPr/>
         </p:nvSpPr>
         <p:spPr>
           <a:xfrm>
-            <a:off x="3007896" y="4078704"/>
-            <a:ext cx="689810" cy="505327"/>
-          </a:xfrm>
-          <a:prstGeom prst="rect">
-            <a:avLst/>
-          </a:prstGeom>
-        </p:spPr>
-        <p:style>
-          <a:lnRef idx="2">
-            <a:schemeClr val="dk1"/>
-          </a:lnRef>
-          <a:fillRef idx="1">
-            <a:schemeClr val="lt1"/>
-          </a:fillRef>
-          <a:effectRef idx="0">
-            <a:schemeClr val="dk1"/>
-          </a:effectRef>
-          <a:fontRef idx="minor">
-            <a:schemeClr val="dk1"/>
-          </a:fontRef>
-        </p:style>
-        <p:txBody>
-          <a:bodyPr rtlCol="0" anchor="ctr"/>
-          <a:lstStyle/>
-          <a:p>
-            <a:pPr algn="ctr"/>
-            <a:r>
-              <a:rPr lang="en-US" dirty="0"/>
-              <a:t>VMA</a:t>
-            </a:r>
-          </a:p>
-        </p:txBody>
-      </p:sp>
-      <p:sp>
-        <p:nvSpPr>
-          <p:cNvPr id="7" name="TextBox 6">
-            <a:extLst>
-              <a:ext uri="{FF2B5EF4-FFF2-40B4-BE49-F238E27FC236}">
-                <a16:creationId xmlns:a16="http://schemas.microsoft.com/office/drawing/2014/main" id="{D630EAC7-83D1-44F3-8030-2989DCFAB256}"/>
-              </a:ext>
-            </a:extLst>
-          </p:cNvPr>
-          <p:cNvSpPr txBox="1"/>
-          <p:nvPr/>
-        </p:nvSpPr>
-        <p:spPr>
-          <a:xfrm>
-            <a:off x="1567206" y="3691507"/>
+            <a:off x="1908097" y="3701352"/>
             <a:ext cx="1589987" cy="369332"/>
           </a:xfrm>
           <a:prstGeom prst="rect">
@@ -3615,8 +3568,8 @@
         </p:nvSpPr>
         <p:spPr>
           <a:xfrm>
-            <a:off x="898358" y="3673642"/>
-            <a:ext cx="2927684" cy="1018673"/>
+            <a:off x="1628274" y="3673642"/>
+            <a:ext cx="2197768" cy="1018673"/>
           </a:xfrm>
           <a:prstGeom prst="rect">
             <a:avLst/>
@@ -3708,8 +3661,8 @@
         </p:nvSpPr>
         <p:spPr>
           <a:xfrm>
-            <a:off x="898357" y="2157661"/>
-            <a:ext cx="3635997" cy="505327"/>
+            <a:off x="1628274" y="2157661"/>
+            <a:ext cx="2906080" cy="505327"/>
           </a:xfrm>
           <a:prstGeom prst="rect">
             <a:avLst/>
@@ -3802,8 +3755,8 @@
         </p:nvSpPr>
         <p:spPr>
           <a:xfrm>
-            <a:off x="2342147" y="2662988"/>
-            <a:ext cx="1483895" cy="505327"/>
+            <a:off x="2758811" y="2662988"/>
+            <a:ext cx="1067231" cy="505327"/>
           </a:xfrm>
           <a:prstGeom prst="rect">
             <a:avLst/>
@@ -3830,7 +3783,7 @@
             <a:pPr algn="ctr"/>
             <a:r>
               <a:rPr lang="en-US" dirty="0"/>
-              <a:t>Signal layer</a:t>
+              <a:t>Signal</a:t>
             </a:r>
           </a:p>
         </p:txBody>
@@ -3849,7 +3802,7 @@
         </p:nvSpPr>
         <p:spPr>
           <a:xfrm>
-            <a:off x="1567206" y="2542673"/>
+            <a:off x="2120655" y="2542673"/>
             <a:ext cx="181385" cy="262508"/>
           </a:xfrm>
           <a:prstGeom prst="downArrow">
@@ -3893,7 +3846,7 @@
         </p:nvSpPr>
         <p:spPr>
           <a:xfrm>
-            <a:off x="1567205" y="3048000"/>
+            <a:off x="2120654" y="3048000"/>
             <a:ext cx="181385" cy="262508"/>
           </a:xfrm>
           <a:prstGeom prst="downArrow">
@@ -3937,7 +3890,7 @@
         </p:nvSpPr>
         <p:spPr>
           <a:xfrm>
-            <a:off x="3043079" y="3048000"/>
+            <a:off x="3235583" y="3048000"/>
             <a:ext cx="181385" cy="262508"/>
           </a:xfrm>
           <a:prstGeom prst="downArrow">
@@ -4028,7 +3981,7 @@
         </p:nvSpPr>
         <p:spPr>
           <a:xfrm>
-            <a:off x="2271507" y="3559159"/>
+            <a:off x="2544221" y="3559159"/>
             <a:ext cx="182936" cy="234797"/>
           </a:xfrm>
           <a:prstGeom prst="downArrow">
@@ -4116,7 +4069,7 @@
         </p:nvSpPr>
         <p:spPr>
           <a:xfrm rot="5400000" flipH="1" flipV="1">
-            <a:off x="2273513" y="2784395"/>
+            <a:off x="2682584" y="2784395"/>
             <a:ext cx="181385" cy="262508"/>
           </a:xfrm>
           <a:prstGeom prst="downArrow">
@@ -4163,8 +4116,8 @@
         </p:nvSpPr>
         <p:spPr>
           <a:xfrm>
-            <a:off x="898357" y="1660718"/>
-            <a:ext cx="3635997" cy="505327"/>
+            <a:off x="1628274" y="1660718"/>
+            <a:ext cx="2906080" cy="505327"/>
           </a:xfrm>
           <a:prstGeom prst="rect">
             <a:avLst/>
